--- a/ppt/11.pptx
+++ b/ppt/11.pptx
@@ -1,37 +1,25 @@
 
 <file path=ppt/presentation.xml><?xml version="1.0" encoding="utf-8"?>
-<p:presentation xmlns:a="http://schemas.openxmlformats.org/drawingml/2006/main" xmlns:r="http://schemas.openxmlformats.org/officeDocument/2006/relationships" xmlns:p="http://schemas.openxmlformats.org/presentationml/2006/main" embedTrueTypeFonts="1" saveSubsetFonts="1">
+<p:presentation xmlns:a="http://schemas.openxmlformats.org/drawingml/2006/main" xmlns:r="http://schemas.openxmlformats.org/officeDocument/2006/relationships" xmlns:p="http://schemas.openxmlformats.org/presentationml/2006/main">
   <p:sldMasterIdLst>
     <p:sldMasterId id="2147483648" r:id="rId1"/>
   </p:sldMasterIdLst>
   <p:notesMasterIdLst>
-    <p:notesMasterId r:id="rId5"/>
+    <p:notesMasterId r:id="rId11"/>
   </p:notesMasterIdLst>
   <p:sldIdLst>
     <p:sldId id="304" r:id="rId2"/>
-    <p:sldId id="312" r:id="rId3"/>
-    <p:sldId id="299" r:id="rId4"/>
+    <p:sldId id="320" r:id="rId3"/>
+    <p:sldId id="313" r:id="rId4"/>
+    <p:sldId id="317" r:id="rId5"/>
+    <p:sldId id="319" r:id="rId6"/>
+    <p:sldId id="316" r:id="rId7"/>
+    <p:sldId id="315" r:id="rId8"/>
+    <p:sldId id="318" r:id="rId9"/>
+    <p:sldId id="299" r:id="rId10"/>
   </p:sldIdLst>
   <p:sldSz cx="9144000" cy="5143500" type="screen16x9"/>
   <p:notesSz cx="6858000" cy="9144000"/>
-  <p:embeddedFontLst>
-    <p:embeddedFont>
-      <p:font typeface="黑体" pitchFamily="2" charset="-122"/>
-      <p:regular r:id="rId6"/>
-    </p:embeddedFont>
-    <p:embeddedFont>
-      <p:font typeface="微软雅黑" pitchFamily="34" charset="-122"/>
-      <p:regular r:id="rId7"/>
-      <p:bold r:id="rId8"/>
-    </p:embeddedFont>
-    <p:embeddedFont>
-      <p:font typeface="Calibri" pitchFamily="34" charset="0"/>
-      <p:regular r:id="rId9"/>
-      <p:bold r:id="rId10"/>
-      <p:italic r:id="rId11"/>
-      <p:boldItalic r:id="rId12"/>
-    </p:embeddedFont>
-  </p:embeddedFontLst>
   <p:defaultTextStyle>
     <a:defPPr>
       <a:defRPr lang="zh-CN"/>
@@ -127,6 +115,22 @@
       </a:defRPr>
     </a:lvl9pPr>
   </p:defaultTextStyle>
+  <p:extLst>
+    <p:ext uri="{EFAFB233-063F-42B5-8137-9DF3F51BA10A}">
+      <p15:sldGuideLst xmlns:p15="http://schemas.microsoft.com/office/powerpoint/2012/main">
+        <p15:guide id="1" orient="horz" pos="1617">
+          <p15:clr>
+            <a:srgbClr val="A4A3A4"/>
+          </p15:clr>
+        </p15:guide>
+        <p15:guide id="2" pos="2916">
+          <p15:clr>
+            <a:srgbClr val="A4A3A4"/>
+          </p15:clr>
+        </p15:guide>
+      </p15:sldGuideLst>
+    </p:ext>
+  </p:extLst>
 </p:presentation>
 </file>
 
@@ -213,7 +217,7 @@
             <a:fld id="{9936A364-F56D-418B-92EA-B8A9C286C719}" type="datetimeFigureOut">
               <a:rPr lang="zh-CN" altLang="en-US" smtClean="0"/>
               <a:pPr/>
-              <a:t>2020-2-19</a:t>
+              <a:t>2020/5/26</a:t>
             </a:fld>
             <a:endParaRPr lang="zh-CN" altLang="en-US"/>
           </a:p>
@@ -549,6 +553,11 @@
         </p:txBody>
       </p:sp>
     </p:spTree>
+    <p:extLst>
+      <p:ext uri="{BB962C8B-B14F-4D97-AF65-F5344CB8AC3E}">
+        <p14:creationId xmlns:p14="http://schemas.microsoft.com/office/powerpoint/2010/main" val="2046257256"/>
+      </p:ext>
+    </p:extLst>
   </p:cSld>
   <p:clrMapOvr>
     <a:masterClrMapping/>
@@ -622,13 +631,18 @@
             <a:fld id="{621F41D1-EB0D-4857-8E93-8C1C831E6153}" type="slidenum">
               <a:rPr lang="zh-CN" altLang="en-US" smtClean="0"/>
               <a:pPr/>
-              <a:t>3</a:t>
+              <a:t>9</a:t>
             </a:fld>
             <a:endParaRPr lang="zh-CN" altLang="en-US"/>
           </a:p>
         </p:txBody>
       </p:sp>
     </p:spTree>
+    <p:extLst>
+      <p:ext uri="{BB962C8B-B14F-4D97-AF65-F5344CB8AC3E}">
+        <p14:creationId xmlns:p14="http://schemas.microsoft.com/office/powerpoint/2010/main" val="686667138"/>
+      </p:ext>
+    </p:extLst>
   </p:cSld>
   <p:clrMapOvr>
     <a:masterClrMapping/>
@@ -816,7 +830,7 @@
             <a:fld id="{824AF190-E6C3-4F71-9AD4-820770AEF1A8}" type="datetimeFigureOut">
               <a:rPr lang="zh-CN" altLang="en-US" smtClean="0"/>
               <a:pPr/>
-              <a:t>2020-2-19</a:t>
+              <a:t>2020/5/26</a:t>
             </a:fld>
             <a:endParaRPr lang="zh-CN" altLang="en-US"/>
           </a:p>
@@ -933,7 +947,7 @@
           <a:blip r:embed="rId2" cstate="print">
             <a:extLst>
               <a:ext uri="{28A0092B-C50C-407E-A947-70E740481C1C}">
-                <a14:useLocalDpi xmlns:a14="http://schemas.microsoft.com/office/drawing/2010/main" xmlns="" val="0"/>
+                <a14:useLocalDpi xmlns:a14="http://schemas.microsoft.com/office/drawing/2010/main" val="0"/>
               </a:ext>
             </a:extLst>
           </a:blip>
@@ -1042,7 +1056,7 @@
             <a:fld id="{824AF190-E6C3-4F71-9AD4-820770AEF1A8}" type="datetimeFigureOut">
               <a:rPr lang="zh-CN" altLang="en-US" smtClean="0"/>
               <a:pPr/>
-              <a:t>2020-2-19</a:t>
+              <a:t>2020/5/26</a:t>
             </a:fld>
             <a:endParaRPr lang="zh-CN" altLang="en-US"/>
           </a:p>
@@ -1262,7 +1276,7 @@
             <a:fld id="{824AF190-E6C3-4F71-9AD4-820770AEF1A8}" type="datetimeFigureOut">
               <a:rPr lang="zh-CN" altLang="en-US" smtClean="0"/>
               <a:pPr/>
-              <a:t>2020-2-19</a:t>
+              <a:t>2020/5/26</a:t>
             </a:fld>
             <a:endParaRPr lang="zh-CN" altLang="en-US"/>
           </a:p>
@@ -1359,7 +1373,7 @@
           <a:blip r:embed="rId6" cstate="print">
             <a:extLst>
               <a:ext uri="{28A0092B-C50C-407E-A947-70E740481C1C}">
-                <a14:useLocalDpi xmlns:a14="http://schemas.microsoft.com/office/drawing/2010/main" xmlns="" val="0"/>
+                <a14:useLocalDpi xmlns:a14="http://schemas.microsoft.com/office/drawing/2010/main" val="0"/>
               </a:ext>
             </a:extLst>
           </a:blip>
@@ -1389,7 +1403,7 @@
           <a:blip r:embed="rId7" cstate="print">
             <a:extLst>
               <a:ext uri="{28A0092B-C50C-407E-A947-70E740481C1C}">
-                <a14:useLocalDpi xmlns:a14="http://schemas.microsoft.com/office/drawing/2010/main" xmlns="" val="0"/>
+                <a14:useLocalDpi xmlns:a14="http://schemas.microsoft.com/office/drawing/2010/main" val="0"/>
               </a:ext>
             </a:extLst>
           </a:blip>
@@ -1674,20 +1688,6 @@
 <file path=ppt/slides/slide1.xml><?xml version="1.0" encoding="utf-8"?>
 <p:sld xmlns:a="http://schemas.openxmlformats.org/drawingml/2006/main" xmlns:r="http://schemas.openxmlformats.org/officeDocument/2006/relationships" xmlns:p="http://schemas.openxmlformats.org/presentationml/2006/main">
   <p:cSld>
-    <p:bg>
-      <p:bgPr>
-        <a:blipFill dpi="0" rotWithShape="1">
-          <a:blip r:embed="rId3" cstate="email">
-            <a:lum/>
-          </a:blip>
-          <a:srcRect/>
-          <a:stretch>
-            <a:fillRect/>
-          </a:stretch>
-        </a:blipFill>
-        <a:effectLst/>
-      </p:bgPr>
-    </p:bg>
     <p:spTree>
       <p:nvGrpSpPr>
         <p:cNvPr id="1" name=""/>
@@ -1711,10 +1711,10 @@
           <p:nvPr/>
         </p:nvPicPr>
         <p:blipFill>
-          <a:blip r:embed="rId4" cstate="print">
+          <a:blip r:embed="rId3" cstate="print">
             <a:extLst>
               <a:ext uri="{28A0092B-C50C-407E-A947-70E740481C1C}">
-                <a14:useLocalDpi xmlns:a14="http://schemas.microsoft.com/office/drawing/2010/main" xmlns="" val="0"/>
+                <a14:useLocalDpi xmlns:a14="http://schemas.microsoft.com/office/drawing/2010/main" val="0"/>
               </a:ext>
             </a:extLst>
           </a:blip>
@@ -1740,8 +1740,8 @@
         </p:nvSpPr>
         <p:spPr>
           <a:xfrm>
-            <a:off x="1074016" y="1317129"/>
-            <a:ext cx="6888480" cy="762000"/>
+            <a:off x="1181444" y="1317129"/>
+            <a:ext cx="6673622" cy="769441"/>
           </a:xfrm>
           <a:prstGeom prst="rect">
             <a:avLst/>
@@ -1756,15 +1756,42 @@
           <a:p>
             <a:pPr algn="ctr"/>
             <a:r>
-              <a:rPr lang="zh-CN" sz="4400" dirty="0" smtClean="0">
+              <a:rPr lang="zh-CN" altLang="en-US" sz="4400" dirty="0">
                 <a:solidFill>
                   <a:schemeClr val="bg1"/>
                 </a:solidFill>
                 <a:latin typeface="黑体" charset="-122"/>
                 <a:ea typeface="黑体" charset="-122"/>
               </a:rPr>
-              <a:t>计算机视觉与深度学习实战</a:t>
-            </a:r>
+              <a:t>狼叔的</a:t>
+            </a:r>
+            <a:r>
+              <a:rPr lang="en-US" altLang="zh-CN" sz="4400" dirty="0">
+                <a:solidFill>
+                  <a:schemeClr val="bg1"/>
+                </a:solidFill>
+                <a:latin typeface="黑体" charset="-122"/>
+                <a:ea typeface="黑体" charset="-122"/>
+              </a:rPr>
+              <a:t>Node.js</a:t>
+            </a:r>
+            <a:r>
+              <a:rPr lang="zh-CN" altLang="en-US" sz="4400" dirty="0">
+                <a:solidFill>
+                  <a:schemeClr val="bg1"/>
+                </a:solidFill>
+                <a:latin typeface="黑体" charset="-122"/>
+                <a:ea typeface="黑体" charset="-122"/>
+              </a:rPr>
+              <a:t>快速入门课</a:t>
+            </a:r>
+            <a:endParaRPr lang="zh-CN" sz="4400" dirty="0">
+              <a:solidFill>
+                <a:schemeClr val="bg1"/>
+              </a:solidFill>
+              <a:latin typeface="黑体" charset="-122"/>
+              <a:ea typeface="黑体" charset="-122"/>
+            </a:endParaRPr>
           </a:p>
         </p:txBody>
       </p:sp>
@@ -1776,8 +1803,8 @@
         </p:nvSpPr>
         <p:spPr>
           <a:xfrm>
-            <a:off x="3640551" y="3315050"/>
-            <a:ext cx="902811" cy="307777"/>
+            <a:off x="3371249" y="3315050"/>
+            <a:ext cx="1441420" cy="307777"/>
           </a:xfrm>
           <a:prstGeom prst="rect">
             <a:avLst/>
@@ -1800,10 +1827,10 @@
                 <a:ea typeface="黑体" charset="-122"/>
                 <a:cs typeface="黑体" charset="-122"/>
               </a:rPr>
-              <a:t>主讲人</a:t>
-            </a:r>
-            <a:r>
-              <a:rPr lang="zh-CN" altLang="en-US" sz="1400" dirty="0" smtClean="0">
+              <a:t>主讲人：</a:t>
+            </a:r>
+            <a:r>
+              <a:rPr lang="en-US" altLang="zh-CN" sz="1400" dirty="0">
                 <a:solidFill>
                   <a:schemeClr val="bg1"/>
                 </a:solidFill>
@@ -1811,9 +1838,9 @@
                 <a:ea typeface="黑体" charset="-122"/>
                 <a:cs typeface="黑体" charset="-122"/>
               </a:rPr>
-              <a:t>：</a:t>
-            </a:r>
-            <a:endParaRPr lang="zh-CN" sz="1400" dirty="0" smtClean="0">
+              <a:t>i5ting</a:t>
+            </a:r>
+            <a:endParaRPr lang="zh-CN" sz="1400" dirty="0">
               <a:solidFill>
                 <a:schemeClr val="bg1"/>
               </a:solidFill>
@@ -1832,8 +1859,8 @@
         </p:nvSpPr>
         <p:spPr>
           <a:xfrm>
-            <a:off x="2709776" y="2275344"/>
-            <a:ext cx="3840480" cy="579120"/>
+            <a:off x="1665106" y="2275344"/>
+            <a:ext cx="5929828" cy="584775"/>
           </a:xfrm>
           <a:prstGeom prst="rect">
             <a:avLst/>
@@ -1848,42 +1875,87 @@
           <a:p>
             <a:pPr algn="ctr"/>
             <a:r>
-              <a:rPr lang="zh-CN" sz="3200" dirty="0" smtClean="0">
+              <a:rPr lang="en-US" altLang="zh-CN" sz="3200" dirty="0">
                 <a:solidFill>
                   <a:schemeClr val="bg1"/>
                 </a:solidFill>
                 <a:latin typeface="黑体" charset="-122"/>
                 <a:ea typeface="黑体" charset="-122"/>
               </a:rPr>
-              <a:t>抖音炫酷字特效仿真</a:t>
-            </a:r>
+              <a:t>10. </a:t>
+            </a:r>
+            <a:r>
+              <a:rPr lang="en" altLang="zh-CN" sz="3200" dirty="0">
+                <a:solidFill>
+                  <a:schemeClr val="bg1"/>
+                </a:solidFill>
+                <a:latin typeface="黑体" charset="-122"/>
+                <a:ea typeface="黑体" charset="-122"/>
+              </a:rPr>
+              <a:t>Node.js</a:t>
+            </a:r>
+            <a:r>
+              <a:rPr lang="zh-CN" altLang="en-US" sz="3200" dirty="0">
+                <a:solidFill>
+                  <a:schemeClr val="bg1"/>
+                </a:solidFill>
+                <a:latin typeface="黑体" charset="-122"/>
+                <a:ea typeface="黑体" charset="-122"/>
+              </a:rPr>
+              <a:t>与</a:t>
+            </a:r>
+            <a:r>
+              <a:rPr lang="en-US" altLang="zh-CN" sz="3200" dirty="0">
+                <a:solidFill>
+                  <a:schemeClr val="bg1"/>
+                </a:solidFill>
+                <a:latin typeface="黑体" charset="-122"/>
+                <a:ea typeface="黑体" charset="-122"/>
+              </a:rPr>
+              <a:t>SSR</a:t>
+            </a:r>
+            <a:r>
+              <a:rPr lang="zh-CN" altLang="en-US" sz="3200" dirty="0">
+                <a:solidFill>
+                  <a:schemeClr val="bg1"/>
+                </a:solidFill>
+                <a:latin typeface="黑体" charset="-122"/>
+                <a:ea typeface="黑体" charset="-122"/>
+              </a:rPr>
+              <a:t>服务器端渲染</a:t>
+            </a:r>
+            <a:endParaRPr lang="zh-CN" sz="3200" dirty="0">
+              <a:solidFill>
+                <a:schemeClr val="bg1"/>
+              </a:solidFill>
+              <a:latin typeface="黑体" charset="-122"/>
+              <a:ea typeface="黑体" charset="-122"/>
+            </a:endParaRPr>
           </a:p>
         </p:txBody>
       </p:sp>
     </p:spTree>
+    <p:extLst>
+      <p:ext uri="{BB962C8B-B14F-4D97-AF65-F5344CB8AC3E}">
+        <p14:creationId xmlns:p14="http://schemas.microsoft.com/office/powerpoint/2010/main" val="3356026687"/>
+      </p:ext>
+    </p:extLst>
   </p:cSld>
   <p:clrMapOvr>
     <a:masterClrMapping/>
   </p:clrMapOvr>
-  <mc:AlternateContent xmlns:mc="http://schemas.openxmlformats.org/markup-compatibility/2006">
-    <mc:Choice xmlns:p14="http://schemas.microsoft.com/office/powerpoint/2010/main" xmlns="" Requires="p14">
+  <mc:AlternateContent xmlns:mc="http://schemas.openxmlformats.org/markup-compatibility/2006" xmlns:p14="http://schemas.microsoft.com/office/powerpoint/2010/main">
+    <mc:Choice Requires="p14">
       <p:transition spd="slow" p14:dur="1500" advClick="0" advTm="0">
         <p:random/>
       </p:transition>
     </mc:Choice>
-    <mc:Fallback>
+    <mc:Fallback xmlns="">
       <p:transition spd="slow" advClick="0" advTm="0">
         <p:random/>
       </p:transition>
     </mc:Fallback>
   </mc:AlternateContent>
-  <p:timing>
-    <p:tnLst>
-      <p:par>
-        <p:cTn id="1" dur="indefinite" restart="never" nodeType="tmRoot"/>
-      </p:par>
-    </p:tnLst>
-  </p:timing>
 </p:sld>
 </file>
 
@@ -1906,7 +1978,13 @@
       </p:grpSpPr>
       <p:pic>
         <p:nvPicPr>
-          <p:cNvPr id="6" name="图片 5" descr="01"/>
+          <p:cNvPr id="2" name="Picture 8">
+            <a:extLst>
+              <a:ext uri="{FF2B5EF4-FFF2-40B4-BE49-F238E27FC236}">
+                <a16:creationId xmlns:a16="http://schemas.microsoft.com/office/drawing/2014/main" id="{7D4F66DE-11CC-3F4E-9608-EEC88E642109}"/>
+              </a:ext>
+            </a:extLst>
+          </p:cNvPr>
           <p:cNvPicPr>
             <a:picLocks noChangeAspect="1"/>
           </p:cNvPicPr>
@@ -1920,8 +1998,8 @@
         </p:blipFill>
         <p:spPr>
           <a:xfrm>
-            <a:off x="474345" y="593725"/>
-            <a:ext cx="8173720" cy="3989070"/>
+            <a:off x="1175504" y="817157"/>
+            <a:ext cx="6979807" cy="3509185"/>
           </a:xfrm>
           <a:prstGeom prst="rect">
             <a:avLst/>
@@ -1929,6 +2007,11 @@
         </p:spPr>
       </p:pic>
     </p:spTree>
+    <p:extLst>
+      <p:ext uri="{BB962C8B-B14F-4D97-AF65-F5344CB8AC3E}">
+        <p14:creationId xmlns:p14="http://schemas.microsoft.com/office/powerpoint/2010/main" val="4087927919"/>
+      </p:ext>
+    </p:extLst>
   </p:cSld>
   <p:clrMapOvr>
     <a:masterClrMapping/>
@@ -1958,6 +2041,1407 @@
       </p:grpSpPr>
       <p:pic>
         <p:nvPicPr>
+          <p:cNvPr id="4" name="Picture 4">
+            <a:extLst>
+              <a:ext uri="{FF2B5EF4-FFF2-40B4-BE49-F238E27FC236}">
+                <a16:creationId xmlns:a16="http://schemas.microsoft.com/office/drawing/2014/main" id="{C74943C9-A77F-194A-90BC-4E210E6D0731}"/>
+              </a:ext>
+            </a:extLst>
+          </p:cNvPr>
+          <p:cNvPicPr>
+            <a:picLocks noChangeAspect="1"/>
+          </p:cNvPicPr>
+          <p:nvPr/>
+        </p:nvPicPr>
+        <p:blipFill>
+          <a:blip r:embed="rId2"/>
+          <a:stretch>
+            <a:fillRect/>
+          </a:stretch>
+        </p:blipFill>
+        <p:spPr>
+          <a:xfrm>
+            <a:off x="1647098" y="907627"/>
+            <a:ext cx="5582885" cy="3553474"/>
+          </a:xfrm>
+          <a:prstGeom prst="rect">
+            <a:avLst/>
+          </a:prstGeom>
+        </p:spPr>
+      </p:pic>
+    </p:spTree>
+    <p:extLst>
+      <p:ext uri="{BB962C8B-B14F-4D97-AF65-F5344CB8AC3E}">
+        <p14:creationId xmlns:p14="http://schemas.microsoft.com/office/powerpoint/2010/main" val="3089460252"/>
+      </p:ext>
+    </p:extLst>
+  </p:cSld>
+  <p:clrMapOvr>
+    <a:masterClrMapping/>
+  </p:clrMapOvr>
+  <p:transition spd="slow">
+    <p:cover/>
+  </p:transition>
+</p:sld>
+</file>
+
+<file path=ppt/slides/slide4.xml><?xml version="1.0" encoding="utf-8"?>
+<p:sld xmlns:a="http://schemas.openxmlformats.org/drawingml/2006/main" xmlns:r="http://schemas.openxmlformats.org/officeDocument/2006/relationships" xmlns:p="http://schemas.openxmlformats.org/presentationml/2006/main">
+  <p:cSld>
+    <p:spTree>
+      <p:nvGrpSpPr>
+        <p:cNvPr id="1" name=""/>
+        <p:cNvGrpSpPr/>
+        <p:nvPr/>
+      </p:nvGrpSpPr>
+      <p:grpSpPr>
+        <a:xfrm>
+          <a:off x="0" y="0"/>
+          <a:ext cx="0" cy="0"/>
+          <a:chOff x="0" y="0"/>
+          <a:chExt cx="0" cy="0"/>
+        </a:xfrm>
+      </p:grpSpPr>
+      <p:pic>
+        <p:nvPicPr>
+          <p:cNvPr id="20" name="Picture 4">
+            <a:extLst>
+              <a:ext uri="{FF2B5EF4-FFF2-40B4-BE49-F238E27FC236}">
+                <a16:creationId xmlns:a16="http://schemas.microsoft.com/office/drawing/2014/main" id="{1EF0E3CB-8AF2-A242-9C25-4A32D4835473}"/>
+              </a:ext>
+            </a:extLst>
+          </p:cNvPr>
+          <p:cNvPicPr>
+            <a:picLocks noChangeAspect="1"/>
+          </p:cNvPicPr>
+          <p:nvPr/>
+        </p:nvPicPr>
+        <p:blipFill>
+          <a:blip r:embed="rId2"/>
+          <a:stretch>
+            <a:fillRect/>
+          </a:stretch>
+        </p:blipFill>
+        <p:spPr>
+          <a:xfrm>
+            <a:off x="635536" y="1151467"/>
+            <a:ext cx="3490900" cy="2353416"/>
+          </a:xfrm>
+          <a:prstGeom prst="rect">
+            <a:avLst/>
+          </a:prstGeom>
+        </p:spPr>
+      </p:pic>
+      <p:sp>
+        <p:nvSpPr>
+          <p:cNvPr id="22" name="Rounded Rectangle 6">
+            <a:extLst>
+              <a:ext uri="{FF2B5EF4-FFF2-40B4-BE49-F238E27FC236}">
+                <a16:creationId xmlns:a16="http://schemas.microsoft.com/office/drawing/2014/main" id="{C37C9D31-FA7D-B54D-A553-BF0CAC1C1E6E}"/>
+              </a:ext>
+            </a:extLst>
+          </p:cNvPr>
+          <p:cNvSpPr/>
+          <p:nvPr/>
+        </p:nvSpPr>
+        <p:spPr>
+          <a:xfrm>
+            <a:off x="6095592" y="1151467"/>
+            <a:ext cx="1518041" cy="2353416"/>
+          </a:xfrm>
+          <a:prstGeom prst="roundRect">
+            <a:avLst/>
+          </a:prstGeom>
+        </p:spPr>
+        <p:style>
+          <a:lnRef idx="2">
+            <a:schemeClr val="accent1">
+              <a:shade val="50000"/>
+            </a:schemeClr>
+          </a:lnRef>
+          <a:fillRef idx="1">
+            <a:schemeClr val="accent1"/>
+          </a:fillRef>
+          <a:effectRef idx="0">
+            <a:schemeClr val="accent1"/>
+          </a:effectRef>
+          <a:fontRef idx="minor">
+            <a:schemeClr val="lt1"/>
+          </a:fontRef>
+        </p:style>
+        <p:txBody>
+          <a:bodyPr rtlCol="0" anchor="ctr"/>
+          <a:lstStyle/>
+          <a:p>
+            <a:pPr algn="ctr"/>
+            <a:r>
+              <a:rPr lang="zh-CN" altLang="en-US" dirty="0">
+                <a:solidFill>
+                  <a:schemeClr val="accent4">
+                    <a:lumMod val="75000"/>
+                  </a:schemeClr>
+                </a:solidFill>
+              </a:rPr>
+              <a:t>同构开发</a:t>
+            </a:r>
+            <a:endParaRPr lang="en-US" dirty="0">
+              <a:solidFill>
+                <a:schemeClr val="accent4">
+                  <a:lumMod val="75000"/>
+                </a:schemeClr>
+              </a:solidFill>
+            </a:endParaRPr>
+          </a:p>
+        </p:txBody>
+      </p:sp>
+    </p:spTree>
+    <p:extLst>
+      <p:ext uri="{BB962C8B-B14F-4D97-AF65-F5344CB8AC3E}">
+        <p14:creationId xmlns:p14="http://schemas.microsoft.com/office/powerpoint/2010/main" val="1226345630"/>
+      </p:ext>
+    </p:extLst>
+  </p:cSld>
+  <p:clrMapOvr>
+    <a:masterClrMapping/>
+  </p:clrMapOvr>
+  <p:transition spd="slow">
+    <p:cover/>
+  </p:transition>
+  <p:timing>
+    <p:tnLst>
+      <p:par>
+        <p:cTn id="1" dur="indefinite" restart="never" nodeType="tmRoot">
+          <p:childTnLst>
+            <p:seq concurrent="1" nextAc="seek">
+              <p:cTn id="2" dur="indefinite" nodeType="mainSeq">
+                <p:childTnLst>
+                  <p:par>
+                    <p:cTn id="3" fill="hold">
+                      <p:stCondLst>
+                        <p:cond delay="indefinite"/>
+                      </p:stCondLst>
+                      <p:childTnLst>
+                        <p:par>
+                          <p:cTn id="4" fill="hold">
+                            <p:stCondLst>
+                              <p:cond delay="0"/>
+                            </p:stCondLst>
+                            <p:childTnLst>
+                              <p:par>
+                                <p:cTn id="5" presetID="1" presetClass="entr" presetSubtype="0" fill="hold" grpId="0" nodeType="clickEffect">
+                                  <p:stCondLst>
+                                    <p:cond delay="0"/>
+                                  </p:stCondLst>
+                                  <p:childTnLst>
+                                    <p:set>
+                                      <p:cBhvr>
+                                        <p:cTn id="6" dur="1" fill="hold">
+                                          <p:stCondLst>
+                                            <p:cond delay="0"/>
+                                          </p:stCondLst>
+                                        </p:cTn>
+                                        <p:tgtEl>
+                                          <p:spTgt spid="22"/>
+                                        </p:tgtEl>
+                                        <p:attrNameLst>
+                                          <p:attrName>style.visibility</p:attrName>
+                                        </p:attrNameLst>
+                                      </p:cBhvr>
+                                      <p:to>
+                                        <p:strVal val="visible"/>
+                                      </p:to>
+                                    </p:set>
+                                  </p:childTnLst>
+                                </p:cTn>
+                              </p:par>
+                            </p:childTnLst>
+                          </p:cTn>
+                        </p:par>
+                      </p:childTnLst>
+                    </p:cTn>
+                  </p:par>
+                </p:childTnLst>
+              </p:cTn>
+              <p:prevCondLst>
+                <p:cond evt="onPrev" delay="0">
+                  <p:tgtEl>
+                    <p:sldTgt/>
+                  </p:tgtEl>
+                </p:cond>
+              </p:prevCondLst>
+              <p:nextCondLst>
+                <p:cond evt="onNext" delay="0">
+                  <p:tgtEl>
+                    <p:sldTgt/>
+                  </p:tgtEl>
+                </p:cond>
+              </p:nextCondLst>
+            </p:seq>
+          </p:childTnLst>
+        </p:cTn>
+      </p:par>
+    </p:tnLst>
+    <p:bldLst>
+      <p:bldP spid="22" grpId="0" animBg="1"/>
+    </p:bldLst>
+  </p:timing>
+</p:sld>
+</file>
+
+<file path=ppt/slides/slide5.xml><?xml version="1.0" encoding="utf-8"?>
+<p:sld xmlns:a="http://schemas.openxmlformats.org/drawingml/2006/main" xmlns:r="http://schemas.openxmlformats.org/officeDocument/2006/relationships" xmlns:p="http://schemas.openxmlformats.org/presentationml/2006/main">
+  <p:cSld>
+    <p:spTree>
+      <p:nvGrpSpPr>
+        <p:cNvPr id="1" name=""/>
+        <p:cNvGrpSpPr/>
+        <p:nvPr/>
+      </p:nvGrpSpPr>
+      <p:grpSpPr>
+        <a:xfrm>
+          <a:off x="0" y="0"/>
+          <a:ext cx="0" cy="0"/>
+          <a:chOff x="0" y="0"/>
+          <a:chExt cx="0" cy="0"/>
+        </a:xfrm>
+      </p:grpSpPr>
+      <p:pic>
+        <p:nvPicPr>
+          <p:cNvPr id="3" name="Picture 2">
+            <a:extLst>
+              <a:ext uri="{FF2B5EF4-FFF2-40B4-BE49-F238E27FC236}">
+                <a16:creationId xmlns:a16="http://schemas.microsoft.com/office/drawing/2014/main" id="{9EB51490-E605-5146-9685-1EBD4B68246E}"/>
+              </a:ext>
+            </a:extLst>
+          </p:cNvPr>
+          <p:cNvPicPr>
+            <a:picLocks noChangeAspect="1"/>
+          </p:cNvPicPr>
+          <p:nvPr/>
+        </p:nvPicPr>
+        <p:blipFill>
+          <a:blip r:embed="rId2"/>
+          <a:stretch>
+            <a:fillRect/>
+          </a:stretch>
+        </p:blipFill>
+        <p:spPr>
+          <a:xfrm>
+            <a:off x="665349" y="806027"/>
+            <a:ext cx="3244041" cy="1306810"/>
+          </a:xfrm>
+          <a:prstGeom prst="rect">
+            <a:avLst/>
+          </a:prstGeom>
+        </p:spPr>
+      </p:pic>
+      <p:pic>
+        <p:nvPicPr>
+          <p:cNvPr id="4" name="Picture 2">
+            <a:extLst>
+              <a:ext uri="{FF2B5EF4-FFF2-40B4-BE49-F238E27FC236}">
+                <a16:creationId xmlns:a16="http://schemas.microsoft.com/office/drawing/2014/main" id="{05627F13-C7BC-ED40-821E-633F71B94594}"/>
+              </a:ext>
+            </a:extLst>
+          </p:cNvPr>
+          <p:cNvPicPr>
+            <a:picLocks noChangeAspect="1"/>
+          </p:cNvPicPr>
+          <p:nvPr/>
+        </p:nvPicPr>
+        <p:blipFill>
+          <a:blip r:embed="rId3"/>
+          <a:stretch>
+            <a:fillRect/>
+          </a:stretch>
+        </p:blipFill>
+        <p:spPr>
+          <a:xfrm>
+            <a:off x="4060483" y="1917451"/>
+            <a:ext cx="4175890" cy="2574179"/>
+          </a:xfrm>
+          <a:prstGeom prst="rect">
+            <a:avLst/>
+          </a:prstGeom>
+        </p:spPr>
+      </p:pic>
+      <p:sp>
+        <p:nvSpPr>
+          <p:cNvPr id="6" name="Rectangle 5">
+            <a:extLst>
+              <a:ext uri="{FF2B5EF4-FFF2-40B4-BE49-F238E27FC236}">
+                <a16:creationId xmlns:a16="http://schemas.microsoft.com/office/drawing/2014/main" id="{028CD60C-B891-E740-846F-924A95B595BE}"/>
+              </a:ext>
+            </a:extLst>
+          </p:cNvPr>
+          <p:cNvSpPr/>
+          <p:nvPr/>
+        </p:nvSpPr>
+        <p:spPr>
+          <a:xfrm>
+            <a:off x="933092" y="3204540"/>
+            <a:ext cx="3028008" cy="369332"/>
+          </a:xfrm>
+          <a:prstGeom prst="rect">
+            <a:avLst/>
+          </a:prstGeom>
+        </p:spPr>
+        <p:txBody>
+          <a:bodyPr wrap="none">
+            <a:spAutoFit/>
+          </a:bodyPr>
+          <a:lstStyle/>
+          <a:p>
+            <a:pPr algn="ctr"/>
+            <a:r>
+              <a:rPr lang="en-US" b="1" dirty="0">
+                <a:solidFill>
+                  <a:schemeClr val="accent4">
+                    <a:lumMod val="75000"/>
+                  </a:schemeClr>
+                </a:solidFill>
+                <a:latin typeface="Helvetica Neue" panose="02000503000000020004" pitchFamily="2" charset="0"/>
+              </a:rPr>
+              <a:t>Node </a:t>
+            </a:r>
+            <a:r>
+              <a:rPr lang="zh-CN" altLang="en-US" b="1" dirty="0">
+                <a:solidFill>
+                  <a:schemeClr val="accent4">
+                    <a:lumMod val="75000"/>
+                  </a:schemeClr>
+                </a:solidFill>
+                <a:latin typeface="PingFang TC" panose="020B0400000000000000" pitchFamily="34" charset="-120"/>
+                <a:ea typeface="PingFang TC" panose="020B0400000000000000" pitchFamily="34" charset="-120"/>
+              </a:rPr>
+              <a:t>写入</a:t>
+            </a:r>
+            <a:r>
+              <a:rPr lang="en-US" b="1" dirty="0" err="1">
+                <a:solidFill>
+                  <a:schemeClr val="accent4">
+                    <a:lumMod val="75000"/>
+                  </a:schemeClr>
+                </a:solidFill>
+                <a:latin typeface="Helvetica Neue" panose="02000503000000020004" pitchFamily="2" charset="0"/>
+              </a:rPr>
+              <a:t>server.bundle.js</a:t>
+            </a:r>
+            <a:endParaRPr lang="en-US" dirty="0">
+              <a:solidFill>
+                <a:schemeClr val="accent4">
+                  <a:lumMod val="75000"/>
+                </a:schemeClr>
+              </a:solidFill>
+              <a:effectLst/>
+              <a:latin typeface="Helvetica Neue" panose="02000503000000020004" pitchFamily="2" charset="0"/>
+            </a:endParaRPr>
+          </a:p>
+        </p:txBody>
+      </p:sp>
+      <p:sp>
+        <p:nvSpPr>
+          <p:cNvPr id="7" name="Rectangle 6">
+            <a:extLst>
+              <a:ext uri="{FF2B5EF4-FFF2-40B4-BE49-F238E27FC236}">
+                <a16:creationId xmlns:a16="http://schemas.microsoft.com/office/drawing/2014/main" id="{133CF5F5-2AFE-8E4E-95DD-137A153D6DBA}"/>
+              </a:ext>
+            </a:extLst>
+          </p:cNvPr>
+          <p:cNvSpPr/>
+          <p:nvPr/>
+        </p:nvSpPr>
+        <p:spPr>
+          <a:xfrm>
+            <a:off x="913100" y="3573872"/>
+            <a:ext cx="6096000" cy="923330"/>
+          </a:xfrm>
+          <a:prstGeom prst="rect">
+            <a:avLst/>
+          </a:prstGeom>
+        </p:spPr>
+        <p:txBody>
+          <a:bodyPr>
+            <a:spAutoFit/>
+          </a:bodyPr>
+          <a:lstStyle/>
+          <a:p>
+            <a:r>
+              <a:rPr lang="en-US" dirty="0" err="1">
+                <a:solidFill>
+                  <a:schemeClr val="accent4">
+                    <a:lumMod val="75000"/>
+                  </a:schemeClr>
+                </a:solidFill>
+              </a:rPr>
+              <a:t>浏览器加载client.bundle.js</a:t>
+            </a:r>
+            <a:r>
+              <a:rPr lang="en-US" dirty="0">
+                <a:solidFill>
+                  <a:schemeClr val="accent4">
+                    <a:lumMod val="75000"/>
+                  </a:schemeClr>
+                </a:solidFill>
+              </a:rPr>
+              <a:t>，</a:t>
+            </a:r>
+          </a:p>
+          <a:p>
+            <a:r>
+              <a:rPr lang="en-US" dirty="0">
+                <a:solidFill>
+                  <a:schemeClr val="accent4">
+                    <a:lumMod val="75000"/>
+                  </a:schemeClr>
+                </a:solidFill>
+              </a:rPr>
+              <a:t>Hydrate</a:t>
+            </a:r>
+          </a:p>
+          <a:p>
+            <a:r>
+              <a:rPr lang="en-US" dirty="0" err="1">
+                <a:solidFill>
+                  <a:schemeClr val="accent4">
+                    <a:lumMod val="75000"/>
+                  </a:schemeClr>
+                </a:solidFill>
+              </a:rPr>
+              <a:t>绑定事件</a:t>
+            </a:r>
+            <a:endParaRPr lang="en-US" dirty="0">
+              <a:solidFill>
+                <a:schemeClr val="accent4">
+                  <a:lumMod val="75000"/>
+                </a:schemeClr>
+              </a:solidFill>
+            </a:endParaRPr>
+          </a:p>
+        </p:txBody>
+      </p:sp>
+    </p:spTree>
+    <p:extLst>
+      <p:ext uri="{BB962C8B-B14F-4D97-AF65-F5344CB8AC3E}">
+        <p14:creationId xmlns:p14="http://schemas.microsoft.com/office/powerpoint/2010/main" val="1318112827"/>
+      </p:ext>
+    </p:extLst>
+  </p:cSld>
+  <p:clrMapOvr>
+    <a:masterClrMapping/>
+  </p:clrMapOvr>
+  <p:transition spd="slow">
+    <p:cover/>
+  </p:transition>
+</p:sld>
+</file>
+
+<file path=ppt/slides/slide6.xml><?xml version="1.0" encoding="utf-8"?>
+<p:sld xmlns:a="http://schemas.openxmlformats.org/drawingml/2006/main" xmlns:r="http://schemas.openxmlformats.org/officeDocument/2006/relationships" xmlns:p="http://schemas.openxmlformats.org/presentationml/2006/main">
+  <p:cSld>
+    <p:spTree>
+      <p:nvGrpSpPr>
+        <p:cNvPr id="1" name=""/>
+        <p:cNvGrpSpPr/>
+        <p:nvPr/>
+      </p:nvGrpSpPr>
+      <p:grpSpPr>
+        <a:xfrm>
+          <a:off x="0" y="0"/>
+          <a:ext cx="0" cy="0"/>
+          <a:chOff x="0" y="0"/>
+          <a:chExt cx="0" cy="0"/>
+        </a:xfrm>
+      </p:grpSpPr>
+      <p:sp>
+        <p:nvSpPr>
+          <p:cNvPr id="2" name="文本框 1">
+            <a:extLst>
+              <a:ext uri="{FF2B5EF4-FFF2-40B4-BE49-F238E27FC236}">
+                <a16:creationId xmlns:a16="http://schemas.microsoft.com/office/drawing/2014/main" id="{A31F1DFC-3A4B-3C49-8F6F-394F8A941FAD}"/>
+              </a:ext>
+            </a:extLst>
+          </p:cNvPr>
+          <p:cNvSpPr txBox="1"/>
+          <p:nvPr/>
+        </p:nvSpPr>
+        <p:spPr>
+          <a:xfrm>
+            <a:off x="754912" y="489098"/>
+            <a:ext cx="646331" cy="369332"/>
+          </a:xfrm>
+          <a:prstGeom prst="rect">
+            <a:avLst/>
+          </a:prstGeom>
+          <a:noFill/>
+        </p:spPr>
+        <p:txBody>
+          <a:bodyPr wrap="none" rtlCol="0">
+            <a:spAutoFit/>
+          </a:bodyPr>
+          <a:lstStyle/>
+          <a:p>
+            <a:r>
+              <a:rPr kumimoji="1" lang="zh-CN" altLang="en-US" dirty="0"/>
+              <a:t>步骤</a:t>
+            </a:r>
+          </a:p>
+        </p:txBody>
+      </p:sp>
+      <p:sp>
+        <p:nvSpPr>
+          <p:cNvPr id="4" name="椭圆 3">
+            <a:extLst>
+              <a:ext uri="{FF2B5EF4-FFF2-40B4-BE49-F238E27FC236}">
+                <a16:creationId xmlns:a16="http://schemas.microsoft.com/office/drawing/2014/main" id="{EC60D4F8-317D-5B49-A050-6683DEA43503}"/>
+              </a:ext>
+            </a:extLst>
+          </p:cNvPr>
+          <p:cNvSpPr/>
+          <p:nvPr/>
+        </p:nvSpPr>
+        <p:spPr>
+          <a:xfrm>
+            <a:off x="1237984" y="1872129"/>
+            <a:ext cx="919364" cy="678357"/>
+          </a:xfrm>
+          <a:prstGeom prst="ellipse">
+            <a:avLst/>
+          </a:prstGeom>
+        </p:spPr>
+        <p:style>
+          <a:lnRef idx="2">
+            <a:schemeClr val="accent1">
+              <a:shade val="50000"/>
+            </a:schemeClr>
+          </a:lnRef>
+          <a:fillRef idx="1">
+            <a:schemeClr val="accent1"/>
+          </a:fillRef>
+          <a:effectRef idx="0">
+            <a:schemeClr val="accent1"/>
+          </a:effectRef>
+          <a:fontRef idx="minor">
+            <a:schemeClr val="lt1"/>
+          </a:fontRef>
+        </p:style>
+        <p:txBody>
+          <a:bodyPr rtlCol="0" anchor="ctr"/>
+          <a:lstStyle/>
+          <a:p>
+            <a:pPr algn="ctr"/>
+            <a:r>
+              <a:rPr kumimoji="1" lang="zh-CN" altLang="en-US" dirty="0"/>
+              <a:t>了解原理</a:t>
+            </a:r>
+          </a:p>
+        </p:txBody>
+      </p:sp>
+      <p:sp>
+        <p:nvSpPr>
+          <p:cNvPr id="5" name="椭圆 4">
+            <a:extLst>
+              <a:ext uri="{FF2B5EF4-FFF2-40B4-BE49-F238E27FC236}">
+                <a16:creationId xmlns:a16="http://schemas.microsoft.com/office/drawing/2014/main" id="{1E6A5A9D-1296-0B4E-9D20-E9DE656D627D}"/>
+              </a:ext>
+            </a:extLst>
+          </p:cNvPr>
+          <p:cNvSpPr/>
+          <p:nvPr/>
+        </p:nvSpPr>
+        <p:spPr>
+          <a:xfrm>
+            <a:off x="4184268" y="1874397"/>
+            <a:ext cx="919364" cy="678357"/>
+          </a:xfrm>
+          <a:prstGeom prst="ellipse">
+            <a:avLst/>
+          </a:prstGeom>
+        </p:spPr>
+        <p:style>
+          <a:lnRef idx="2">
+            <a:schemeClr val="accent1">
+              <a:shade val="50000"/>
+            </a:schemeClr>
+          </a:lnRef>
+          <a:fillRef idx="1">
+            <a:schemeClr val="accent1"/>
+          </a:fillRef>
+          <a:effectRef idx="0">
+            <a:schemeClr val="accent1"/>
+          </a:effectRef>
+          <a:fontRef idx="minor">
+            <a:schemeClr val="lt1"/>
+          </a:fontRef>
+        </p:style>
+        <p:txBody>
+          <a:bodyPr rtlCol="0" anchor="ctr"/>
+          <a:lstStyle/>
+          <a:p>
+            <a:pPr algn="ctr"/>
+            <a:r>
+              <a:rPr kumimoji="1" lang="zh-CN" altLang="en-US" dirty="0"/>
+              <a:t>了解竞品</a:t>
+            </a:r>
+          </a:p>
+        </p:txBody>
+      </p:sp>
+      <p:sp>
+        <p:nvSpPr>
+          <p:cNvPr id="6" name="椭圆 5">
+            <a:extLst>
+              <a:ext uri="{FF2B5EF4-FFF2-40B4-BE49-F238E27FC236}">
+                <a16:creationId xmlns:a16="http://schemas.microsoft.com/office/drawing/2014/main" id="{6179C612-385E-1246-BB8D-3D1153527CFF}"/>
+              </a:ext>
+            </a:extLst>
+          </p:cNvPr>
+          <p:cNvSpPr/>
+          <p:nvPr/>
+        </p:nvSpPr>
+        <p:spPr>
+          <a:xfrm>
+            <a:off x="6947846" y="1898345"/>
+            <a:ext cx="1916340" cy="678357"/>
+          </a:xfrm>
+          <a:prstGeom prst="ellipse">
+            <a:avLst/>
+          </a:prstGeom>
+        </p:spPr>
+        <p:style>
+          <a:lnRef idx="2">
+            <a:schemeClr val="accent1">
+              <a:shade val="50000"/>
+            </a:schemeClr>
+          </a:lnRef>
+          <a:fillRef idx="1">
+            <a:schemeClr val="accent1"/>
+          </a:fillRef>
+          <a:effectRef idx="0">
+            <a:schemeClr val="accent1"/>
+          </a:effectRef>
+          <a:fontRef idx="minor">
+            <a:schemeClr val="lt1"/>
+          </a:fontRef>
+        </p:style>
+        <p:txBody>
+          <a:bodyPr rtlCol="0" anchor="ctr"/>
+          <a:lstStyle/>
+          <a:p>
+            <a:pPr algn="ctr"/>
+            <a:r>
+              <a:rPr kumimoji="1" lang="zh-CN" altLang="en-US" dirty="0"/>
+              <a:t>抓自己的痒</a:t>
+            </a:r>
+          </a:p>
+        </p:txBody>
+      </p:sp>
+      <p:sp>
+        <p:nvSpPr>
+          <p:cNvPr id="7" name="矩形 6">
+            <a:extLst>
+              <a:ext uri="{FF2B5EF4-FFF2-40B4-BE49-F238E27FC236}">
+                <a16:creationId xmlns:a16="http://schemas.microsoft.com/office/drawing/2014/main" id="{4D1EE489-3E9F-CE48-B29E-CF090863BA3F}"/>
+              </a:ext>
+            </a:extLst>
+          </p:cNvPr>
+          <p:cNvSpPr/>
+          <p:nvPr/>
+        </p:nvSpPr>
+        <p:spPr>
+          <a:xfrm>
+            <a:off x="1212051" y="2721855"/>
+            <a:ext cx="1018997" cy="369332"/>
+          </a:xfrm>
+          <a:prstGeom prst="rect">
+            <a:avLst/>
+          </a:prstGeom>
+        </p:spPr>
+        <p:txBody>
+          <a:bodyPr wrap="none">
+            <a:spAutoFit/>
+          </a:bodyPr>
+          <a:lstStyle/>
+          <a:p>
+            <a:r>
+              <a:rPr kumimoji="1" lang="en-US" altLang="zh-CN" dirty="0"/>
+              <a:t>React</a:t>
+            </a:r>
+            <a:r>
+              <a:rPr kumimoji="1" lang="zh-CN" altLang="en-US" dirty="0"/>
+              <a:t> </a:t>
+            </a:r>
+            <a:r>
+              <a:rPr kumimoji="1" lang="en-US" altLang="zh-CN" dirty="0" err="1"/>
+              <a:t>ssr</a:t>
+            </a:r>
+            <a:endParaRPr kumimoji="1" lang="en-US" altLang="zh-CN" dirty="0"/>
+          </a:p>
+        </p:txBody>
+      </p:sp>
+      <p:sp>
+        <p:nvSpPr>
+          <p:cNvPr id="8" name="矩形 7">
+            <a:extLst>
+              <a:ext uri="{FF2B5EF4-FFF2-40B4-BE49-F238E27FC236}">
+                <a16:creationId xmlns:a16="http://schemas.microsoft.com/office/drawing/2014/main" id="{4436528C-9A9A-4F4A-A229-899B16D5AA05}"/>
+              </a:ext>
+            </a:extLst>
+          </p:cNvPr>
+          <p:cNvSpPr/>
+          <p:nvPr/>
+        </p:nvSpPr>
+        <p:spPr>
+          <a:xfrm>
+            <a:off x="3871632" y="2721855"/>
+            <a:ext cx="2291012" cy="369332"/>
+          </a:xfrm>
+          <a:prstGeom prst="rect">
+            <a:avLst/>
+          </a:prstGeom>
+        </p:spPr>
+        <p:txBody>
+          <a:bodyPr wrap="none">
+            <a:spAutoFit/>
+          </a:bodyPr>
+          <a:lstStyle/>
+          <a:p>
+            <a:r>
+              <a:rPr kumimoji="1" lang="zh-CN" altLang="en-US" dirty="0"/>
+              <a:t>了解市面所有</a:t>
+            </a:r>
+            <a:r>
+              <a:rPr kumimoji="1" lang="en-US" altLang="zh-CN" dirty="0" err="1"/>
+              <a:t>ssr</a:t>
+            </a:r>
+            <a:r>
+              <a:rPr kumimoji="1" lang="zh-CN" altLang="en-US" dirty="0"/>
+              <a:t>框架</a:t>
+            </a:r>
+            <a:endParaRPr kumimoji="1" lang="en-US" altLang="zh-CN" dirty="0"/>
+          </a:p>
+        </p:txBody>
+      </p:sp>
+      <p:sp>
+        <p:nvSpPr>
+          <p:cNvPr id="9" name="文本框 8">
+            <a:extLst>
+              <a:ext uri="{FF2B5EF4-FFF2-40B4-BE49-F238E27FC236}">
+                <a16:creationId xmlns:a16="http://schemas.microsoft.com/office/drawing/2014/main" id="{BD7349BC-E173-0F4B-8509-D2F0CADBE190}"/>
+              </a:ext>
+            </a:extLst>
+          </p:cNvPr>
+          <p:cNvSpPr txBox="1"/>
+          <p:nvPr/>
+        </p:nvSpPr>
+        <p:spPr>
+          <a:xfrm>
+            <a:off x="7432973" y="2721855"/>
+            <a:ext cx="877163" cy="369332"/>
+          </a:xfrm>
+          <a:prstGeom prst="rect">
+            <a:avLst/>
+          </a:prstGeom>
+          <a:noFill/>
+        </p:spPr>
+        <p:txBody>
+          <a:bodyPr wrap="none" rtlCol="0">
+            <a:spAutoFit/>
+          </a:bodyPr>
+          <a:lstStyle/>
+          <a:p>
+            <a:r>
+              <a:rPr kumimoji="1" lang="zh-CN" altLang="en-US" dirty="0"/>
+              <a:t>造轮子</a:t>
+            </a:r>
+          </a:p>
+        </p:txBody>
+      </p:sp>
+      <p:sp>
+        <p:nvSpPr>
+          <p:cNvPr id="10" name="右箭头 9">
+            <a:extLst>
+              <a:ext uri="{FF2B5EF4-FFF2-40B4-BE49-F238E27FC236}">
+                <a16:creationId xmlns:a16="http://schemas.microsoft.com/office/drawing/2014/main" id="{B683C13E-0619-C84F-A18F-637AB5B38528}"/>
+              </a:ext>
+            </a:extLst>
+          </p:cNvPr>
+          <p:cNvSpPr/>
+          <p:nvPr/>
+        </p:nvSpPr>
+        <p:spPr>
+          <a:xfrm>
+            <a:off x="2562448" y="2177096"/>
+            <a:ext cx="1233376" cy="244549"/>
+          </a:xfrm>
+          <a:prstGeom prst="rightArrow">
+            <a:avLst/>
+          </a:prstGeom>
+        </p:spPr>
+        <p:style>
+          <a:lnRef idx="2">
+            <a:schemeClr val="accent1">
+              <a:shade val="50000"/>
+            </a:schemeClr>
+          </a:lnRef>
+          <a:fillRef idx="1">
+            <a:schemeClr val="accent1"/>
+          </a:fillRef>
+          <a:effectRef idx="0">
+            <a:schemeClr val="accent1"/>
+          </a:effectRef>
+          <a:fontRef idx="minor">
+            <a:schemeClr val="lt1"/>
+          </a:fontRef>
+        </p:style>
+        <p:txBody>
+          <a:bodyPr rtlCol="0" anchor="ctr"/>
+          <a:lstStyle/>
+          <a:p>
+            <a:pPr algn="ctr"/>
+            <a:endParaRPr kumimoji="1" lang="zh-CN" altLang="en-US"/>
+          </a:p>
+        </p:txBody>
+      </p:sp>
+      <p:sp>
+        <p:nvSpPr>
+          <p:cNvPr id="11" name="右箭头 10">
+            <a:extLst>
+              <a:ext uri="{FF2B5EF4-FFF2-40B4-BE49-F238E27FC236}">
+                <a16:creationId xmlns:a16="http://schemas.microsoft.com/office/drawing/2014/main" id="{855E5344-9209-044E-8E43-ABA6C4749234}"/>
+              </a:ext>
+            </a:extLst>
+          </p:cNvPr>
+          <p:cNvSpPr/>
+          <p:nvPr/>
+        </p:nvSpPr>
+        <p:spPr>
+          <a:xfrm>
+            <a:off x="5548958" y="2138552"/>
+            <a:ext cx="1233376" cy="244549"/>
+          </a:xfrm>
+          <a:prstGeom prst="rightArrow">
+            <a:avLst/>
+          </a:prstGeom>
+        </p:spPr>
+        <p:style>
+          <a:lnRef idx="2">
+            <a:schemeClr val="accent1">
+              <a:shade val="50000"/>
+            </a:schemeClr>
+          </a:lnRef>
+          <a:fillRef idx="1">
+            <a:schemeClr val="accent1"/>
+          </a:fillRef>
+          <a:effectRef idx="0">
+            <a:schemeClr val="accent1"/>
+          </a:effectRef>
+          <a:fontRef idx="minor">
+            <a:schemeClr val="lt1"/>
+          </a:fontRef>
+        </p:style>
+        <p:txBody>
+          <a:bodyPr rtlCol="0" anchor="ctr"/>
+          <a:lstStyle/>
+          <a:p>
+            <a:pPr algn="ctr"/>
+            <a:endParaRPr kumimoji="1" lang="zh-CN" altLang="en-US"/>
+          </a:p>
+        </p:txBody>
+      </p:sp>
+      <p:sp>
+        <p:nvSpPr>
+          <p:cNvPr id="12" name="Rectangle 5">
+            <a:extLst>
+              <a:ext uri="{FF2B5EF4-FFF2-40B4-BE49-F238E27FC236}">
+                <a16:creationId xmlns:a16="http://schemas.microsoft.com/office/drawing/2014/main" id="{CC3F781D-4986-3C4C-B79E-ADA2E75921BA}"/>
+              </a:ext>
+            </a:extLst>
+          </p:cNvPr>
+          <p:cNvSpPr/>
+          <p:nvPr/>
+        </p:nvSpPr>
+        <p:spPr>
+          <a:xfrm>
+            <a:off x="1721549" y="4514964"/>
+            <a:ext cx="6600093" cy="523220"/>
+          </a:xfrm>
+          <a:prstGeom prst="rect">
+            <a:avLst/>
+          </a:prstGeom>
+        </p:spPr>
+        <p:txBody>
+          <a:bodyPr wrap="square">
+            <a:spAutoFit/>
+          </a:bodyPr>
+          <a:lstStyle/>
+          <a:p>
+            <a:r>
+              <a:rPr lang="en-US" sz="2800" u="sng" dirty="0">
+                <a:solidFill>
+                  <a:schemeClr val="accent4">
+                    <a:lumMod val="75000"/>
+                  </a:schemeClr>
+                </a:solidFill>
+                <a:latin typeface="Times" pitchFamily="2" charset="0"/>
+                <a:hlinkClick r:id="rId2">
+                  <a:extLst>
+                    <a:ext uri="{A12FA001-AC4F-418D-AE19-62706E023703}">
+                      <ahyp:hlinkClr xmlns:ahyp="http://schemas.microsoft.com/office/drawing/2018/hyperlinkcolor" val="tx"/>
+                    </a:ext>
+                  </a:extLst>
+                </a:hlinkClick>
+              </a:rPr>
+              <a:t>https://github.com/ykfe/egg-react-ssr</a:t>
+            </a:r>
+            <a:endParaRPr lang="en-US" sz="2800" dirty="0">
+              <a:solidFill>
+                <a:schemeClr val="accent4">
+                  <a:lumMod val="75000"/>
+                </a:schemeClr>
+              </a:solidFill>
+              <a:effectLst/>
+              <a:latin typeface="Times" pitchFamily="2" charset="0"/>
+            </a:endParaRPr>
+          </a:p>
+        </p:txBody>
+      </p:sp>
+    </p:spTree>
+    <p:extLst>
+      <p:ext uri="{BB962C8B-B14F-4D97-AF65-F5344CB8AC3E}">
+        <p14:creationId xmlns:p14="http://schemas.microsoft.com/office/powerpoint/2010/main" val="4052349570"/>
+      </p:ext>
+    </p:extLst>
+  </p:cSld>
+  <p:clrMapOvr>
+    <a:masterClrMapping/>
+  </p:clrMapOvr>
+  <p:transition spd="slow">
+    <p:cover/>
+  </p:transition>
+  <p:timing>
+    <p:tnLst>
+      <p:par>
+        <p:cTn id="1" dur="indefinite" restart="never" nodeType="tmRoot">
+          <p:childTnLst>
+            <p:seq concurrent="1" nextAc="seek">
+              <p:cTn id="2" dur="indefinite" nodeType="mainSeq">
+                <p:childTnLst>
+                  <p:par>
+                    <p:cTn id="3" fill="hold">
+                      <p:stCondLst>
+                        <p:cond delay="indefinite"/>
+                      </p:stCondLst>
+                      <p:childTnLst>
+                        <p:par>
+                          <p:cTn id="4" fill="hold">
+                            <p:stCondLst>
+                              <p:cond delay="0"/>
+                            </p:stCondLst>
+                            <p:childTnLst>
+                              <p:par>
+                                <p:cTn id="5" presetID="1" presetClass="entr" presetSubtype="0" fill="hold" grpId="0" nodeType="clickEffect">
+                                  <p:stCondLst>
+                                    <p:cond delay="0"/>
+                                  </p:stCondLst>
+                                  <p:childTnLst>
+                                    <p:set>
+                                      <p:cBhvr>
+                                        <p:cTn id="6" dur="1" fill="hold">
+                                          <p:stCondLst>
+                                            <p:cond delay="0"/>
+                                          </p:stCondLst>
+                                        </p:cTn>
+                                        <p:tgtEl>
+                                          <p:spTgt spid="12"/>
+                                        </p:tgtEl>
+                                        <p:attrNameLst>
+                                          <p:attrName>style.visibility</p:attrName>
+                                        </p:attrNameLst>
+                                      </p:cBhvr>
+                                      <p:to>
+                                        <p:strVal val="visible"/>
+                                      </p:to>
+                                    </p:set>
+                                  </p:childTnLst>
+                                </p:cTn>
+                              </p:par>
+                            </p:childTnLst>
+                          </p:cTn>
+                        </p:par>
+                      </p:childTnLst>
+                    </p:cTn>
+                  </p:par>
+                </p:childTnLst>
+              </p:cTn>
+              <p:prevCondLst>
+                <p:cond evt="onPrev" delay="0">
+                  <p:tgtEl>
+                    <p:sldTgt/>
+                  </p:tgtEl>
+                </p:cond>
+              </p:prevCondLst>
+              <p:nextCondLst>
+                <p:cond evt="onNext" delay="0">
+                  <p:tgtEl>
+                    <p:sldTgt/>
+                  </p:tgtEl>
+                </p:cond>
+              </p:nextCondLst>
+            </p:seq>
+          </p:childTnLst>
+        </p:cTn>
+      </p:par>
+    </p:tnLst>
+    <p:bldLst>
+      <p:bldP spid="12" grpId="0"/>
+    </p:bldLst>
+  </p:timing>
+</p:sld>
+</file>
+
+<file path=ppt/slides/slide7.xml><?xml version="1.0" encoding="utf-8"?>
+<p:sld xmlns:a="http://schemas.openxmlformats.org/drawingml/2006/main" xmlns:r="http://schemas.openxmlformats.org/officeDocument/2006/relationships" xmlns:p="http://schemas.openxmlformats.org/presentationml/2006/main">
+  <p:cSld>
+    <p:spTree>
+      <p:nvGrpSpPr>
+        <p:cNvPr id="1" name=""/>
+        <p:cNvGrpSpPr/>
+        <p:nvPr/>
+      </p:nvGrpSpPr>
+      <p:grpSpPr>
+        <a:xfrm>
+          <a:off x="0" y="0"/>
+          <a:ext cx="0" cy="0"/>
+          <a:chOff x="0" y="0"/>
+          <a:chExt cx="0" cy="0"/>
+        </a:xfrm>
+      </p:grpSpPr>
+      <p:sp>
+        <p:nvSpPr>
+          <p:cNvPr id="2" name="文本框 1">
+            <a:extLst>
+              <a:ext uri="{FF2B5EF4-FFF2-40B4-BE49-F238E27FC236}">
+                <a16:creationId xmlns:a16="http://schemas.microsoft.com/office/drawing/2014/main" id="{A31F1DFC-3A4B-3C49-8F6F-394F8A941FAD}"/>
+              </a:ext>
+            </a:extLst>
+          </p:cNvPr>
+          <p:cNvSpPr txBox="1"/>
+          <p:nvPr/>
+        </p:nvSpPr>
+        <p:spPr>
+          <a:xfrm>
+            <a:off x="754912" y="489098"/>
+            <a:ext cx="1850186" cy="369332"/>
+          </a:xfrm>
+          <a:prstGeom prst="rect">
+            <a:avLst/>
+          </a:prstGeom>
+          <a:noFill/>
+        </p:spPr>
+        <p:txBody>
+          <a:bodyPr wrap="none" rtlCol="0">
+            <a:spAutoFit/>
+          </a:bodyPr>
+          <a:lstStyle/>
+          <a:p>
+            <a:r>
+              <a:rPr kumimoji="1" lang="en-US" altLang="zh-CN" dirty="0"/>
+              <a:t>Egg-react-</a:t>
+            </a:r>
+            <a:r>
+              <a:rPr kumimoji="1" lang="en-US" altLang="zh-CN" dirty="0" err="1"/>
+              <a:t>ssr</a:t>
+            </a:r>
+            <a:r>
+              <a:rPr kumimoji="1" lang="zh-CN" altLang="en-US" dirty="0"/>
+              <a:t>思考</a:t>
+            </a:r>
+          </a:p>
+        </p:txBody>
+      </p:sp>
+      <p:sp>
+        <p:nvSpPr>
+          <p:cNvPr id="3" name="文本框 2">
+            <a:extLst>
+              <a:ext uri="{FF2B5EF4-FFF2-40B4-BE49-F238E27FC236}">
+                <a16:creationId xmlns:a16="http://schemas.microsoft.com/office/drawing/2014/main" id="{F0D4AD7E-0B25-F140-B294-6C12D5E47E1A}"/>
+              </a:ext>
+            </a:extLst>
+          </p:cNvPr>
+          <p:cNvSpPr txBox="1"/>
+          <p:nvPr/>
+        </p:nvSpPr>
+        <p:spPr>
+          <a:xfrm>
+            <a:off x="1020726" y="1286540"/>
+            <a:ext cx="7006855" cy="1477328"/>
+          </a:xfrm>
+          <a:prstGeom prst="rect">
+            <a:avLst/>
+          </a:prstGeom>
+          <a:noFill/>
+        </p:spPr>
+        <p:txBody>
+          <a:bodyPr wrap="square" rtlCol="0">
+            <a:spAutoFit/>
+          </a:bodyPr>
+          <a:lstStyle/>
+          <a:p>
+            <a:r>
+              <a:rPr kumimoji="1" lang="en-US" altLang="zh-CN" dirty="0"/>
+              <a:t>1</a:t>
+            </a:r>
+            <a:r>
+              <a:rPr kumimoji="1" lang="zh-CN" altLang="en-US" dirty="0"/>
+              <a:t>、浏览器和历史债</a:t>
+            </a:r>
+            <a:endParaRPr kumimoji="1" lang="en-US" altLang="zh-CN" dirty="0"/>
+          </a:p>
+          <a:p>
+            <a:r>
+              <a:rPr kumimoji="1" lang="en-US" altLang="zh-CN" dirty="0"/>
+              <a:t>2</a:t>
+            </a:r>
+            <a:r>
+              <a:rPr kumimoji="1" lang="zh-CN" altLang="en-US" dirty="0"/>
+              <a:t>、和</a:t>
+            </a:r>
+            <a:r>
+              <a:rPr kumimoji="1" lang="en-US" altLang="zh-CN" dirty="0"/>
+              <a:t>egg</a:t>
+            </a:r>
+            <a:r>
+              <a:rPr kumimoji="1" lang="zh-CN" altLang="en-US" dirty="0"/>
+              <a:t>的关系</a:t>
+            </a:r>
+            <a:endParaRPr kumimoji="1" lang="en-US" altLang="zh-CN" dirty="0"/>
+          </a:p>
+          <a:p>
+            <a:r>
+              <a:rPr kumimoji="1" lang="en-US" altLang="zh-CN" dirty="0"/>
+              <a:t>3</a:t>
+            </a:r>
+            <a:r>
+              <a:rPr kumimoji="1" lang="zh-CN" altLang="en-US" dirty="0"/>
+              <a:t>、我能做哪些不一样的点</a:t>
+            </a:r>
+            <a:endParaRPr kumimoji="1" lang="en-US" altLang="zh-CN" dirty="0"/>
+          </a:p>
+          <a:p>
+            <a:r>
+              <a:rPr kumimoji="1" lang="en-US" altLang="zh-CN" dirty="0"/>
+              <a:t>4</a:t>
+            </a:r>
+            <a:r>
+              <a:rPr kumimoji="1" lang="zh-CN" altLang="en-US" dirty="0"/>
+              <a:t>、克制</a:t>
+            </a:r>
+            <a:endParaRPr kumimoji="1" lang="en-US" altLang="zh-CN" dirty="0"/>
+          </a:p>
+          <a:p>
+            <a:r>
+              <a:rPr kumimoji="1" lang="en-US" altLang="zh-CN" dirty="0"/>
+              <a:t>5</a:t>
+            </a:r>
+            <a:r>
+              <a:rPr kumimoji="1" lang="zh-CN" altLang="en-US" dirty="0"/>
+              <a:t>、既要也要还要</a:t>
+            </a:r>
+            <a:endParaRPr kumimoji="1" lang="en-US" altLang="zh-CN" dirty="0"/>
+          </a:p>
+        </p:txBody>
+      </p:sp>
+      <p:pic>
+        <p:nvPicPr>
+          <p:cNvPr id="4" name="图片 3">
+            <a:extLst>
+              <a:ext uri="{FF2B5EF4-FFF2-40B4-BE49-F238E27FC236}">
+                <a16:creationId xmlns:a16="http://schemas.microsoft.com/office/drawing/2014/main" id="{C4167F74-F7C3-C547-A476-AC4711018C77}"/>
+              </a:ext>
+            </a:extLst>
+          </p:cNvPr>
+          <p:cNvPicPr>
+            <a:picLocks noChangeAspect="1"/>
+          </p:cNvPicPr>
+          <p:nvPr/>
+        </p:nvPicPr>
+        <p:blipFill>
+          <a:blip r:embed="rId2"/>
+          <a:stretch>
+            <a:fillRect/>
+          </a:stretch>
+        </p:blipFill>
+        <p:spPr>
+          <a:xfrm>
+            <a:off x="5405119" y="1185333"/>
+            <a:ext cx="2138257" cy="2138257"/>
+          </a:xfrm>
+          <a:prstGeom prst="rect">
+            <a:avLst/>
+          </a:prstGeom>
+        </p:spPr>
+      </p:pic>
+    </p:spTree>
+    <p:extLst>
+      <p:ext uri="{BB962C8B-B14F-4D97-AF65-F5344CB8AC3E}">
+        <p14:creationId xmlns:p14="http://schemas.microsoft.com/office/powerpoint/2010/main" val="239994757"/>
+      </p:ext>
+    </p:extLst>
+  </p:cSld>
+  <p:clrMapOvr>
+    <a:masterClrMapping/>
+  </p:clrMapOvr>
+  <p:transition spd="slow">
+    <p:cover/>
+  </p:transition>
+</p:sld>
+</file>
+
+<file path=ppt/slides/slide8.xml><?xml version="1.0" encoding="utf-8"?>
+<p:sld xmlns:a="http://schemas.openxmlformats.org/drawingml/2006/main" xmlns:r="http://schemas.openxmlformats.org/officeDocument/2006/relationships" xmlns:p="http://schemas.openxmlformats.org/presentationml/2006/main">
+  <p:cSld>
+    <p:spTree>
+      <p:nvGrpSpPr>
+        <p:cNvPr id="1" name=""/>
+        <p:cNvGrpSpPr/>
+        <p:nvPr/>
+      </p:nvGrpSpPr>
+      <p:grpSpPr>
+        <a:xfrm>
+          <a:off x="0" y="0"/>
+          <a:ext cx="0" cy="0"/>
+          <a:chOff x="0" y="0"/>
+          <a:chExt cx="0" cy="0"/>
+        </a:xfrm>
+      </p:grpSpPr>
+      <p:sp>
+        <p:nvSpPr>
+          <p:cNvPr id="2" name="标题 1">
+            <a:extLst>
+              <a:ext uri="{FF2B5EF4-FFF2-40B4-BE49-F238E27FC236}">
+                <a16:creationId xmlns:a16="http://schemas.microsoft.com/office/drawing/2014/main" id="{8B4BAF95-941B-AC4D-980C-E13471893896}"/>
+              </a:ext>
+            </a:extLst>
+          </p:cNvPr>
+          <p:cNvSpPr>
+            <a:spLocks noGrp="1"/>
+          </p:cNvSpPr>
+          <p:nvPr>
+            <p:ph type="title"/>
+          </p:nvPr>
+        </p:nvSpPr>
+        <p:spPr/>
+        <p:txBody>
+          <a:bodyPr/>
+          <a:lstStyle/>
+          <a:p>
+            <a:r>
+              <a:rPr kumimoji="1" lang="zh-CN" altLang="en-US" dirty="0"/>
+              <a:t>团队氛围</a:t>
+            </a:r>
+          </a:p>
+        </p:txBody>
+      </p:sp>
+      <p:pic>
+        <p:nvPicPr>
+          <p:cNvPr id="3" name="图片 2">
+            <a:extLst>
+              <a:ext uri="{FF2B5EF4-FFF2-40B4-BE49-F238E27FC236}">
+                <a16:creationId xmlns:a16="http://schemas.microsoft.com/office/drawing/2014/main" id="{6CBB1FDE-F607-1F45-9C6A-2C8A5C1E3748}"/>
+              </a:ext>
+            </a:extLst>
+          </p:cNvPr>
+          <p:cNvPicPr>
+            <a:picLocks noChangeAspect="1"/>
+          </p:cNvPicPr>
+          <p:nvPr/>
+        </p:nvPicPr>
+        <p:blipFill>
+          <a:blip r:embed="rId2"/>
+          <a:stretch>
+            <a:fillRect/>
+          </a:stretch>
+        </p:blipFill>
+        <p:spPr>
+          <a:xfrm>
+            <a:off x="3619500" y="1706880"/>
+            <a:ext cx="2515518" cy="1391920"/>
+          </a:xfrm>
+          <a:prstGeom prst="rect">
+            <a:avLst/>
+          </a:prstGeom>
+        </p:spPr>
+      </p:pic>
+      <p:sp>
+        <p:nvSpPr>
+          <p:cNvPr id="5" name="文本框 4">
+            <a:extLst>
+              <a:ext uri="{FF2B5EF4-FFF2-40B4-BE49-F238E27FC236}">
+                <a16:creationId xmlns:a16="http://schemas.microsoft.com/office/drawing/2014/main" id="{26AD21C6-AD7D-0647-A541-79D30B0892F1}"/>
+              </a:ext>
+            </a:extLst>
+          </p:cNvPr>
+          <p:cNvSpPr txBox="1"/>
+          <p:nvPr/>
+        </p:nvSpPr>
+        <p:spPr>
+          <a:xfrm>
+            <a:off x="3854027" y="4240107"/>
+            <a:ext cx="1569660" cy="369332"/>
+          </a:xfrm>
+          <a:prstGeom prst="rect">
+            <a:avLst/>
+          </a:prstGeom>
+          <a:noFill/>
+        </p:spPr>
+        <p:txBody>
+          <a:bodyPr wrap="none" rtlCol="0">
+            <a:spAutoFit/>
+          </a:bodyPr>
+          <a:lstStyle/>
+          <a:p>
+            <a:r>
+              <a:rPr kumimoji="1" lang="zh-CN" altLang="en-US" dirty="0"/>
+              <a:t>天时地利人和</a:t>
+            </a:r>
+          </a:p>
+        </p:txBody>
+      </p:sp>
+    </p:spTree>
+    <p:extLst>
+      <p:ext uri="{BB962C8B-B14F-4D97-AF65-F5344CB8AC3E}">
+        <p14:creationId xmlns:p14="http://schemas.microsoft.com/office/powerpoint/2010/main" val="3148134447"/>
+      </p:ext>
+    </p:extLst>
+  </p:cSld>
+  <p:clrMapOvr>
+    <a:masterClrMapping/>
+  </p:clrMapOvr>
+  <p:transition spd="slow">
+    <p:cover/>
+  </p:transition>
+</p:sld>
+</file>
+
+<file path=ppt/slides/slide9.xml><?xml version="1.0" encoding="utf-8"?>
+<p:sld xmlns:a="http://schemas.openxmlformats.org/drawingml/2006/main" xmlns:r="http://schemas.openxmlformats.org/officeDocument/2006/relationships" xmlns:p="http://schemas.openxmlformats.org/presentationml/2006/main">
+  <p:cSld>
+    <p:spTree>
+      <p:nvGrpSpPr>
+        <p:cNvPr id="1" name=""/>
+        <p:cNvGrpSpPr/>
+        <p:nvPr/>
+      </p:nvGrpSpPr>
+      <p:grpSpPr>
+        <a:xfrm>
+          <a:off x="0" y="0"/>
+          <a:ext cx="0" cy="0"/>
+          <a:chOff x="0" y="0"/>
+          <a:chExt cx="0" cy="0"/>
+        </a:xfrm>
+      </p:grpSpPr>
+      <p:pic>
+        <p:nvPicPr>
           <p:cNvPr id="5" name="图片 4"/>
           <p:cNvPicPr>
             <a:picLocks noChangeAspect="1"/>
@@ -1968,7 +3452,7 @@
           <a:blip r:embed="rId3" cstate="print">
             <a:extLst>
               <a:ext uri="{28A0092B-C50C-407E-A947-70E740481C1C}">
-                <a14:useLocalDpi xmlns:a14="http://schemas.microsoft.com/office/drawing/2010/main" xmlns="" val="0"/>
+                <a14:useLocalDpi xmlns:a14="http://schemas.microsoft.com/office/drawing/2010/main" val="0"/>
               </a:ext>
             </a:extLst>
           </a:blip>
@@ -2013,7 +3497,7 @@
           <a:p>
             <a:pPr algn="ctr"/>
             <a:r>
-              <a:rPr lang="zh-CN" altLang="en-US" sz="4400" dirty="0" smtClean="0">
+              <a:rPr lang="zh-CN" altLang="en-US" sz="4400" dirty="0">
                 <a:solidFill>
                   <a:schemeClr val="bg1"/>
                 </a:solidFill>
@@ -2022,7 +3506,7 @@
               </a:rPr>
               <a:t>在技术进步的道路上</a:t>
             </a:r>
-            <a:endParaRPr lang="en-US" altLang="zh-CN" sz="4400" dirty="0" smtClean="0">
+            <a:endParaRPr lang="en-US" altLang="zh-CN" sz="4400" dirty="0">
               <a:solidFill>
                 <a:schemeClr val="bg1"/>
               </a:solidFill>
@@ -2033,7 +3517,7 @@
           <a:p>
             <a:pPr algn="ctr"/>
             <a:r>
-              <a:rPr lang="zh-CN" altLang="en-US" sz="4400" dirty="0" smtClean="0">
+              <a:rPr lang="zh-CN" altLang="en-US" sz="4400" dirty="0">
                 <a:solidFill>
                   <a:schemeClr val="bg1"/>
                 </a:solidFill>
@@ -2042,40 +3526,31 @@
               </a:rPr>
               <a:t>我们共同努力</a:t>
             </a:r>
-            <a:endParaRPr lang="zh-CN" altLang="en-US" sz="4400" dirty="0">
-              <a:solidFill>
-                <a:schemeClr val="bg1"/>
-              </a:solidFill>
-              <a:latin typeface="微软雅黑" pitchFamily="34" charset="-122"/>
-              <a:ea typeface="微软雅黑" pitchFamily="34" charset="-122"/>
-            </a:endParaRPr>
           </a:p>
         </p:txBody>
       </p:sp>
     </p:spTree>
+    <p:extLst>
+      <p:ext uri="{BB962C8B-B14F-4D97-AF65-F5344CB8AC3E}">
+        <p14:creationId xmlns:p14="http://schemas.microsoft.com/office/powerpoint/2010/main" val="3215848394"/>
+      </p:ext>
+    </p:extLst>
   </p:cSld>
   <p:clrMapOvr>
     <a:masterClrMapping/>
   </p:clrMapOvr>
-  <mc:AlternateContent xmlns:mc="http://schemas.openxmlformats.org/markup-compatibility/2006">
-    <mc:Choice xmlns:p14="http://schemas.microsoft.com/office/powerpoint/2010/main" xmlns="" Requires="p14">
+  <mc:AlternateContent xmlns:mc="http://schemas.openxmlformats.org/markup-compatibility/2006" xmlns:p14="http://schemas.microsoft.com/office/powerpoint/2010/main">
+    <mc:Choice Requires="p14">
       <p:transition spd="slow" p14:dur="1500" advTm="0">
         <p:random/>
       </p:transition>
     </mc:Choice>
-    <mc:Fallback>
+    <mc:Fallback xmlns="">
       <p:transition spd="slow" advTm="0">
         <p:random/>
       </p:transition>
     </mc:Fallback>
   </mc:AlternateContent>
-  <p:timing>
-    <p:tnLst>
-      <p:par>
-        <p:cTn id="1" dur="indefinite" restart="never" nodeType="tmRoot"/>
-      </p:par>
-    </p:tnLst>
-  </p:timing>
 </p:sld>
 </file>
 
@@ -2363,7 +3838,7 @@
   <a:extraClrSchemeLst/>
   <a:extLst>
     <a:ext uri="{05A4C25C-085E-4340-85A3-A5531E510DB2}">
-      <thm15:themeFamily xmlns:thm15="http://schemas.microsoft.com/office/thememl/2012/main" xmlns="" name="Office Theme" id="{62F939B6-93AF-4DB8-9C6B-D6C7DFDC589F}" vid="{4A3C46E8-61CC-4603-A589-7422A47A8E4A}"/>
+      <thm15:themeFamily xmlns:thm15="http://schemas.microsoft.com/office/thememl/2012/main" name="Office Theme" id="{62F939B6-93AF-4DB8-9C6B-D6C7DFDC589F}" vid="{4A3C46E8-61CC-4603-A589-7422A47A8E4A}"/>
     </a:ext>
   </a:extLst>
 </a:theme>
@@ -2653,7 +4128,7 @@
   <a:extraClrSchemeLst/>
   <a:extLst>
     <a:ext uri="{05A4C25C-085E-4340-85A3-A5531E510DB2}">
-      <thm15:themeFamily xmlns:thm15="http://schemas.microsoft.com/office/thememl/2012/main" xmlns="" name="Office Theme" id="{62F939B6-93AF-4DB8-9C6B-D6C7DFDC589F}" vid="{4A3C46E8-61CC-4603-A589-7422A47A8E4A}"/>
+      <thm15:themeFamily xmlns:thm15="http://schemas.microsoft.com/office/thememl/2012/main" name="Office Theme" id="{62F939B6-93AF-4DB8-9C6B-D6C7DFDC589F}" vid="{4A3C46E8-61CC-4603-A589-7422A47A8E4A}"/>
     </a:ext>
   </a:extLst>
 </a:theme>

--- a/ppt/11.pptx
+++ b/ppt/11.pptx
@@ -217,7 +217,7 @@
             <a:fld id="{9936A364-F56D-418B-92EA-B8A9C286C719}" type="datetimeFigureOut">
               <a:rPr lang="zh-CN" altLang="en-US" smtClean="0"/>
               <a:pPr/>
-              <a:t>2020/5/26</a:t>
+              <a:t>2020/9/3</a:t>
             </a:fld>
             <a:endParaRPr lang="zh-CN" altLang="en-US"/>
           </a:p>
@@ -830,7 +830,7 @@
             <a:fld id="{824AF190-E6C3-4F71-9AD4-820770AEF1A8}" type="datetimeFigureOut">
               <a:rPr lang="zh-CN" altLang="en-US" smtClean="0"/>
               <a:pPr/>
-              <a:t>2020/5/26</a:t>
+              <a:t>2020/9/3</a:t>
             </a:fld>
             <a:endParaRPr lang="zh-CN" altLang="en-US"/>
           </a:p>
@@ -1056,7 +1056,7 @@
             <a:fld id="{824AF190-E6C3-4F71-9AD4-820770AEF1A8}" type="datetimeFigureOut">
               <a:rPr lang="zh-CN" altLang="en-US" smtClean="0"/>
               <a:pPr/>
-              <a:t>2020/5/26</a:t>
+              <a:t>2020/9/3</a:t>
             </a:fld>
             <a:endParaRPr lang="zh-CN" altLang="en-US"/>
           </a:p>
@@ -1276,7 +1276,7 @@
             <a:fld id="{824AF190-E6C3-4F71-9AD4-820770AEF1A8}" type="datetimeFigureOut">
               <a:rPr lang="zh-CN" altLang="en-US" smtClean="0"/>
               <a:pPr/>
-              <a:t>2020/5/26</a:t>
+              <a:t>2020/9/3</a:t>
             </a:fld>
             <a:endParaRPr lang="zh-CN" altLang="en-US"/>
           </a:p>
@@ -1875,14 +1875,14 @@
           <a:p>
             <a:pPr algn="ctr"/>
             <a:r>
-              <a:rPr lang="en-US" altLang="zh-CN" sz="3200" dirty="0">
+              <a:rPr lang="en-US" altLang="zh-CN" sz="3200">
                 <a:solidFill>
                   <a:schemeClr val="bg1"/>
                 </a:solidFill>
                 <a:latin typeface="黑体" charset="-122"/>
                 <a:ea typeface="黑体" charset="-122"/>
               </a:rPr>
-              <a:t>10. </a:t>
+              <a:t>11. </a:t>
             </a:r>
             <a:r>
               <a:rPr lang="en" altLang="zh-CN" sz="3200" dirty="0">
